--- a/York Code Dojo - Esoteric Languages.pptx
+++ b/York Code Dojo - Esoteric Languages.pptx
@@ -207,7 +207,7 @@
           <a:p>
             <a:fld id="{FB773726-3C10-4818-9970-B221DD7BDD81}" type="datetimeFigureOut">
               <a:rPr lang="en-GB" smtClean="0"/>
-              <a:t>12/03/2019</a:t>
+              <a:t>13/03/2019</a:t>
             </a:fld>
             <a:endParaRPr lang="en-GB"/>
           </a:p>
@@ -521,13 +521,8 @@
           <a:p>
             <a:r>
               <a:rPr lang="en-GB" dirty="0"/>
-              <a:t>How many languages do </a:t>
-            </a:r>
-            <a:r>
-              <a:rPr lang="en-GB"/>
-              <a:t>you know?</a:t>
-            </a:r>
-            <a:endParaRPr lang="en-GB" dirty="0"/>
+              <a:t>How many languages do you know?</a:t>
+            </a:r>
           </a:p>
         </p:txBody>
       </p:sp>
@@ -1933,7 +1928,7 @@
           <a:p>
             <a:fld id="{8C2DC95F-4758-45CC-8E65-674D23536E7F}" type="datetimeFigureOut">
               <a:rPr lang="en-GB" smtClean="0"/>
-              <a:t>12/03/2019</a:t>
+              <a:t>13/03/2019</a:t>
             </a:fld>
             <a:endParaRPr lang="en-GB"/>
           </a:p>
@@ -2143,7 +2138,7 @@
           <a:p>
             <a:fld id="{8C2DC95F-4758-45CC-8E65-674D23536E7F}" type="datetimeFigureOut">
               <a:rPr lang="en-GB" smtClean="0"/>
-              <a:t>12/03/2019</a:t>
+              <a:t>13/03/2019</a:t>
             </a:fld>
             <a:endParaRPr lang="en-GB"/>
           </a:p>
@@ -2353,7 +2348,7 @@
           <a:p>
             <a:fld id="{8C2DC95F-4758-45CC-8E65-674D23536E7F}" type="datetimeFigureOut">
               <a:rPr lang="en-GB" smtClean="0"/>
-              <a:t>12/03/2019</a:t>
+              <a:t>13/03/2019</a:t>
             </a:fld>
             <a:endParaRPr lang="en-GB"/>
           </a:p>
@@ -2629,7 +2624,7 @@
           <a:p>
             <a:fld id="{8C2DC95F-4758-45CC-8E65-674D23536E7F}" type="datetimeFigureOut">
               <a:rPr lang="en-GB" smtClean="0"/>
-              <a:t>12/03/2019</a:t>
+              <a:t>13/03/2019</a:t>
             </a:fld>
             <a:endParaRPr lang="en-GB"/>
           </a:p>
@@ -2899,7 +2894,7 @@
           <a:p>
             <a:fld id="{8C2DC95F-4758-45CC-8E65-674D23536E7F}" type="datetimeFigureOut">
               <a:rPr lang="en-GB" smtClean="0"/>
-              <a:t>12/03/2019</a:t>
+              <a:t>13/03/2019</a:t>
             </a:fld>
             <a:endParaRPr lang="en-GB"/>
           </a:p>
@@ -3305,7 +3300,7 @@
           <a:p>
             <a:fld id="{8C2DC95F-4758-45CC-8E65-674D23536E7F}" type="datetimeFigureOut">
               <a:rPr lang="en-GB" smtClean="0"/>
-              <a:t>12/03/2019</a:t>
+              <a:t>13/03/2019</a:t>
             </a:fld>
             <a:endParaRPr lang="en-GB"/>
           </a:p>
@@ -3455,7 +3450,7 @@
           <a:p>
             <a:fld id="{8C2DC95F-4758-45CC-8E65-674D23536E7F}" type="datetimeFigureOut">
               <a:rPr lang="en-GB" smtClean="0"/>
-              <a:t>12/03/2019</a:t>
+              <a:t>13/03/2019</a:t>
             </a:fld>
             <a:endParaRPr lang="en-GB"/>
           </a:p>
@@ -3574,7 +3569,7 @@
           <a:p>
             <a:fld id="{8C2DC95F-4758-45CC-8E65-674D23536E7F}" type="datetimeFigureOut">
               <a:rPr lang="en-GB" smtClean="0"/>
-              <a:t>12/03/2019</a:t>
+              <a:t>13/03/2019</a:t>
             </a:fld>
             <a:endParaRPr lang="en-GB"/>
           </a:p>
@@ -3884,7 +3879,7 @@
           <a:p>
             <a:fld id="{8C2DC95F-4758-45CC-8E65-674D23536E7F}" type="datetimeFigureOut">
               <a:rPr lang="en-GB" smtClean="0"/>
-              <a:t>12/03/2019</a:t>
+              <a:t>13/03/2019</a:t>
             </a:fld>
             <a:endParaRPr lang="en-GB"/>
           </a:p>
@@ -4174,7 +4169,7 @@
           <a:p>
             <a:fld id="{8C2DC95F-4758-45CC-8E65-674D23536E7F}" type="datetimeFigureOut">
               <a:rPr lang="en-GB" smtClean="0"/>
-              <a:t>12/03/2019</a:t>
+              <a:t>13/03/2019</a:t>
             </a:fld>
             <a:endParaRPr lang="en-GB"/>
           </a:p>

--- a/York Code Dojo - Esoteric Languages.pptx
+++ b/York Code Dojo - Esoteric Languages.pptx
@@ -4802,8 +4802,26 @@
           </a:p>
           <a:p>
             <a:r>
-              <a:rPr lang="en-GB" dirty="0"/>
+              <a:rPr lang="en-GB" dirty="0">
+                <a:hlinkClick r:id="rId3"/>
+              </a:rPr>
               <a:t>https://github.com/YorkCodeDojo/EsotericLanguages</a:t>
+            </a:r>
+            <a:endParaRPr lang="en-GB" dirty="0"/>
+          </a:p>
+          <a:p>
+            <a:endParaRPr lang="en-GB" dirty="0"/>
+          </a:p>
+          <a:p>
+            <a:r>
+              <a:rPr lang="en-GB" dirty="0"/>
+              <a:t>WIFI – YSJ Guest</a:t>
+            </a:r>
+          </a:p>
+          <a:p>
+            <a:r>
+              <a:rPr lang="en-GB" dirty="0"/>
+              <a:t>sunshinelayout26</a:t>
             </a:r>
           </a:p>
         </p:txBody>
